--- a/Project1Presentation.pptx
+++ b/Project1Presentation.pptx
@@ -113,6 +113,11 @@
       </a:defRPr>
     </a:lvl9pPr>
   </p:defaultTextStyle>
+  <p:extLst>
+    <p:ext uri="{EFAFB233-063F-42B5-8137-9DF3F51BA10A}">
+      <p15:sldGuideLst xmlns:p15="http://schemas.microsoft.com/office/powerpoint/2012/main"/>
+    </p:ext>
+  </p:extLst>
 </p:presentation>
 </file>
 
@@ -5762,6 +5767,14 @@
 <file path=ppt/slides/slide1.xml><?xml version="1.0" encoding="utf-8"?>
 <p:sld xmlns:a="http://schemas.openxmlformats.org/drawingml/2006/main" xmlns:r="http://schemas.openxmlformats.org/officeDocument/2006/relationships" xmlns:p="http://schemas.openxmlformats.org/presentationml/2006/main">
   <p:cSld>
+    <p:bg>
+      <p:bgPr>
+        <a:solidFill>
+          <a:schemeClr val="bg1"/>
+        </a:solidFill>
+        <a:effectLst/>
+      </p:bgPr>
+    </p:bg>
     <p:spTree>
       <p:nvGrpSpPr>
         <p:cNvPr id="1" name=""/>
@@ -5792,16 +5805,24 @@
             <p:ph type="ctrTitle"/>
           </p:nvPr>
         </p:nvSpPr>
-        <p:spPr/>
-        <p:txBody>
-          <a:bodyPr/>
+        <p:spPr>
+          <a:xfrm>
+            <a:off x="985969" y="4473227"/>
+            <a:ext cx="8288032" cy="1096648"/>
+          </a:xfrm>
+        </p:spPr>
+        <p:txBody>
+          <a:bodyPr>
+            <a:normAutofit/>
+          </a:bodyPr>
           <a:lstStyle/>
           <a:p>
-            <a:r>
-              <a:rPr lang="en-US" altLang="zh-CN" sz="4400" dirty="0"/>
+            <a:pPr algn="l"/>
+            <a:r>
+              <a:rPr lang="en-US" altLang="zh-CN" sz="4800"/>
               <a:t>Newegg Laptop Web Scraping</a:t>
             </a:r>
-            <a:endParaRPr lang="zh-CN" altLang="en-US" sz="4400" dirty="0"/>
+            <a:endParaRPr lang="zh-CN" altLang="en-US" sz="4800"/>
           </a:p>
         </p:txBody>
       </p:sp>
@@ -5821,11 +5842,19 @@
             <p:ph type="subTitle" idx="1"/>
           </p:nvPr>
         </p:nvSpPr>
-        <p:spPr/>
-        <p:txBody>
-          <a:bodyPr/>
+        <p:spPr>
+          <a:xfrm>
+            <a:off x="985969" y="5569874"/>
+            <a:ext cx="8288032" cy="701677"/>
+          </a:xfrm>
+        </p:spPr>
+        <p:txBody>
+          <a:bodyPr>
+            <a:normAutofit/>
+          </a:bodyPr>
           <a:lstStyle/>
           <a:p>
+            <a:pPr algn="l"/>
             <a:r>
               <a:rPr lang="en-US" altLang="zh-CN" dirty="0"/>
               <a:t>By</a:t>
@@ -5838,10 +5867,82 @@
               <a:rPr lang="en-US" altLang="zh-CN" dirty="0"/>
               <a:t>Jiang</a:t>
             </a:r>
-            <a:endParaRPr lang="zh-CN" altLang="en-US" dirty="0"/>
-          </a:p>
-        </p:txBody>
-      </p:sp>
+            <a:endParaRPr lang="zh-CN" altLang="en-US"/>
+          </a:p>
+        </p:txBody>
+      </p:sp>
+      <p:pic>
+        <p:nvPicPr>
+          <p:cNvPr id="4" name="Picture 3" descr="A picture containing aircraft&#10;&#10;Description automatically generated">
+            <a:extLst>
+              <a:ext uri="{FF2B5EF4-FFF2-40B4-BE49-F238E27FC236}">
+                <a16:creationId xmlns:a16="http://schemas.microsoft.com/office/drawing/2014/main" id="{C4BDBD97-B09A-48D6-8878-39B7B54B4FEC}"/>
+              </a:ext>
+            </a:extLst>
+          </p:cNvPr>
+          <p:cNvPicPr>
+            <a:picLocks noChangeAspect="1"/>
+          </p:cNvPicPr>
+          <p:nvPr/>
+        </p:nvPicPr>
+        <p:blipFill rotWithShape="1">
+          <a:blip r:embed="rId2"/>
+          <a:srcRect t="14401" r="2" b="7849"/>
+          <a:stretch/>
+        </p:blipFill>
+        <p:spPr>
+          <a:xfrm>
+            <a:off x="677334" y="468621"/>
+            <a:ext cx="8274669" cy="3635025"/>
+          </a:xfrm>
+          <a:custGeom>
+            <a:avLst/>
+            <a:gdLst>
+              <a:gd name="connsiteX0" fmla="*/ 540554 w 8274669"/>
+              <a:gd name="connsiteY0" fmla="*/ 0 h 3635025"/>
+              <a:gd name="connsiteX1" fmla="*/ 8274669 w 8274669"/>
+              <a:gd name="connsiteY1" fmla="*/ 0 h 3635025"/>
+              <a:gd name="connsiteX2" fmla="*/ 8274669 w 8274669"/>
+              <a:gd name="connsiteY2" fmla="*/ 3635025 h 3635025"/>
+              <a:gd name="connsiteX3" fmla="*/ 0 w 8274669"/>
+              <a:gd name="connsiteY3" fmla="*/ 3635025 h 3635025"/>
+            </a:gdLst>
+            <a:ahLst/>
+            <a:cxnLst>
+              <a:cxn ang="0">
+                <a:pos x="connsiteX0" y="connsiteY0"/>
+              </a:cxn>
+              <a:cxn ang="0">
+                <a:pos x="connsiteX1" y="connsiteY1"/>
+              </a:cxn>
+              <a:cxn ang="0">
+                <a:pos x="connsiteX2" y="connsiteY2"/>
+              </a:cxn>
+              <a:cxn ang="0">
+                <a:pos x="connsiteX3" y="connsiteY3"/>
+              </a:cxn>
+            </a:cxnLst>
+            <a:rect l="l" t="t" r="r" b="b"/>
+            <a:pathLst>
+              <a:path w="8274669" h="3635025">
+                <a:moveTo>
+                  <a:pt x="540554" y="0"/>
+                </a:moveTo>
+                <a:lnTo>
+                  <a:pt x="8274669" y="0"/>
+                </a:lnTo>
+                <a:lnTo>
+                  <a:pt x="8274669" y="3635025"/>
+                </a:lnTo>
+                <a:lnTo>
+                  <a:pt x="0" y="3635025"/>
+                </a:lnTo>
+                <a:close/>
+              </a:path>
+            </a:pathLst>
+          </a:custGeom>
+        </p:spPr>
+      </p:pic>
     </p:spTree>
     <p:extLst>
       <p:ext uri="{BB962C8B-B14F-4D97-AF65-F5344CB8AC3E}">
